--- a/fig/ws-backup-macos-v01g.pptx
+++ b/fig/ws-backup-macos-v01g.pptx
@@ -288,7 +288,7 @@
           <a:p>
             <a:fld id="{6EEA7111-AD52-9947-B6F0-32AC9A625913}" type="datetimeFigureOut">
               <a:rPr lang="en-US" smtClean="0"/>
-              <a:t>6/19/16</a:t>
+              <a:t>6/21/16</a:t>
             </a:fld>
             <a:endParaRPr lang="en-US"/>
           </a:p>
@@ -458,7 +458,7 @@
           <a:p>
             <a:fld id="{6EEA7111-AD52-9947-B6F0-32AC9A625913}" type="datetimeFigureOut">
               <a:rPr lang="en-US" smtClean="0"/>
-              <a:t>6/19/16</a:t>
+              <a:t>6/21/16</a:t>
             </a:fld>
             <a:endParaRPr lang="en-US"/>
           </a:p>
@@ -638,7 +638,7 @@
           <a:p>
             <a:fld id="{6EEA7111-AD52-9947-B6F0-32AC9A625913}" type="datetimeFigureOut">
               <a:rPr lang="en-US" smtClean="0"/>
-              <a:t>6/19/16</a:t>
+              <a:t>6/21/16</a:t>
             </a:fld>
             <a:endParaRPr lang="en-US"/>
           </a:p>
@@ -808,7 +808,7 @@
           <a:p>
             <a:fld id="{6EEA7111-AD52-9947-B6F0-32AC9A625913}" type="datetimeFigureOut">
               <a:rPr lang="en-US" smtClean="0"/>
-              <a:t>6/19/16</a:t>
+              <a:t>6/21/16</a:t>
             </a:fld>
             <a:endParaRPr lang="en-US"/>
           </a:p>
@@ -1054,7 +1054,7 @@
           <a:p>
             <a:fld id="{6EEA7111-AD52-9947-B6F0-32AC9A625913}" type="datetimeFigureOut">
               <a:rPr lang="en-US" smtClean="0"/>
-              <a:t>6/19/16</a:t>
+              <a:t>6/21/16</a:t>
             </a:fld>
             <a:endParaRPr lang="en-US"/>
           </a:p>
@@ -1342,7 +1342,7 @@
           <a:p>
             <a:fld id="{6EEA7111-AD52-9947-B6F0-32AC9A625913}" type="datetimeFigureOut">
               <a:rPr lang="en-US" smtClean="0"/>
-              <a:t>6/19/16</a:t>
+              <a:t>6/21/16</a:t>
             </a:fld>
             <a:endParaRPr lang="en-US"/>
           </a:p>
@@ -1764,7 +1764,7 @@
           <a:p>
             <a:fld id="{6EEA7111-AD52-9947-B6F0-32AC9A625913}" type="datetimeFigureOut">
               <a:rPr lang="en-US" smtClean="0"/>
-              <a:t>6/19/16</a:t>
+              <a:t>6/21/16</a:t>
             </a:fld>
             <a:endParaRPr lang="en-US"/>
           </a:p>
@@ -1882,7 +1882,7 @@
           <a:p>
             <a:fld id="{6EEA7111-AD52-9947-B6F0-32AC9A625913}" type="datetimeFigureOut">
               <a:rPr lang="en-US" smtClean="0"/>
-              <a:t>6/19/16</a:t>
+              <a:t>6/21/16</a:t>
             </a:fld>
             <a:endParaRPr lang="en-US"/>
           </a:p>
@@ -1977,7 +1977,7 @@
           <a:p>
             <a:fld id="{6EEA7111-AD52-9947-B6F0-32AC9A625913}" type="datetimeFigureOut">
               <a:rPr lang="en-US" smtClean="0"/>
-              <a:t>6/19/16</a:t>
+              <a:t>6/21/16</a:t>
             </a:fld>
             <a:endParaRPr lang="en-US"/>
           </a:p>
@@ -2254,7 +2254,7 @@
           <a:p>
             <a:fld id="{6EEA7111-AD52-9947-B6F0-32AC9A625913}" type="datetimeFigureOut">
               <a:rPr lang="en-US" smtClean="0"/>
-              <a:t>6/19/16</a:t>
+              <a:t>6/21/16</a:t>
             </a:fld>
             <a:endParaRPr lang="en-US"/>
           </a:p>
@@ -2507,7 +2507,7 @@
           <a:p>
             <a:fld id="{6EEA7111-AD52-9947-B6F0-32AC9A625913}" type="datetimeFigureOut">
               <a:rPr lang="en-US" smtClean="0"/>
-              <a:t>6/19/16</a:t>
+              <a:t>6/21/16</a:t>
             </a:fld>
             <a:endParaRPr lang="en-US"/>
           </a:p>
@@ -2720,7 +2720,7 @@
           <a:p>
             <a:fld id="{6EEA7111-AD52-9947-B6F0-32AC9A625913}" type="datetimeFigureOut">
               <a:rPr lang="en-US" smtClean="0"/>
-              <a:t>6/19/16</a:t>
+              <a:t>6/21/16</a:t>
             </a:fld>
             <a:endParaRPr lang="en-US"/>
           </a:p>
@@ -5831,14 +5831,13 @@
           <p:cNvPr id="69" name="Straight Connector 68"/>
           <p:cNvCxnSpPr>
             <a:stCxn id="65" idx="1"/>
-            <a:endCxn id="58" idx="3"/>
           </p:cNvCxnSpPr>
           <p:nvPr/>
         </p:nvCxnSpPr>
         <p:spPr>
           <a:xfrm flipH="1">
-            <a:off x="4358887" y="1357444"/>
-            <a:ext cx="2669971" cy="188128"/>
+            <a:off x="4683341" y="1357444"/>
+            <a:ext cx="2345517" cy="120040"/>
           </a:xfrm>
           <a:prstGeom prst="line">
             <a:avLst/>
@@ -7471,18 +7470,6 @@
               </a:rPr>
               <a:t>backup-v01g</a:t>
             </a:r>
-            <a:r>
-              <a:rPr lang="en-US" sz="600" dirty="0" smtClean="0">
-                <a:solidFill>
-                  <a:schemeClr val="bg1">
-                    <a:lumMod val="75000"/>
-                  </a:schemeClr>
-                </a:solidFill>
-                <a:latin typeface="Open Sans Light"/>
-                <a:cs typeface="Open Sans Light"/>
-              </a:rPr>
-              <a:t/>
-            </a:r>
             <a:br>
               <a:rPr lang="en-US" sz="600" dirty="0" smtClean="0">
                 <a:solidFill>
@@ -7504,31 +7491,7 @@
                 <a:latin typeface="Open Sans Light"/>
                 <a:cs typeface="Open Sans Light"/>
               </a:rPr>
-              <a:t>Copyright 2016 Wilson </a:t>
-            </a:r>
-            <a:r>
-              <a:rPr lang="en-US" sz="600" dirty="0" smtClean="0">
-                <a:solidFill>
-                  <a:schemeClr val="bg1">
-                    <a:lumMod val="75000"/>
-                  </a:schemeClr>
-                </a:solidFill>
-                <a:latin typeface="Open Sans Light"/>
-                <a:cs typeface="Open Sans Light"/>
-              </a:rPr>
-              <a:t>Mar </a:t>
-            </a:r>
-            <a:r>
-              <a:rPr lang="en-US" sz="600" dirty="0" smtClean="0">
-                <a:solidFill>
-                  <a:schemeClr val="bg1">
-                    <a:lumMod val="75000"/>
-                  </a:schemeClr>
-                </a:solidFill>
-                <a:latin typeface="Open Sans Light"/>
-                <a:cs typeface="Open Sans Light"/>
-              </a:rPr>
-              <a:t/>
+              <a:t>Copyright 2016 Wilson Mar </a:t>
             </a:r>
             <a:br>
               <a:rPr lang="en-US" sz="600" dirty="0" smtClean="0">
@@ -7551,19 +7514,7 @@
                 <a:latin typeface="Open Sans Light"/>
                 <a:cs typeface="Open Sans Light"/>
               </a:rPr>
-              <a:t>All rights </a:t>
-            </a:r>
-            <a:r>
-              <a:rPr lang="en-US" sz="600" dirty="0" smtClean="0">
-                <a:solidFill>
-                  <a:schemeClr val="bg1">
-                    <a:lumMod val="75000"/>
-                  </a:schemeClr>
-                </a:solidFill>
-                <a:latin typeface="Open Sans Light"/>
-                <a:cs typeface="Open Sans Light"/>
-              </a:rPr>
-              <a:t>reserved</a:t>
+              <a:t>All rights reserved</a:t>
             </a:r>
             <a:endParaRPr lang="en-US" sz="600" dirty="0">
               <a:solidFill>

--- a/fig/ws-backup-macos-v01g.pptx
+++ b/fig/ws-backup-macos-v01g.pptx
@@ -288,7 +288,7 @@
           <a:p>
             <a:fld id="{6EEA7111-AD52-9947-B6F0-32AC9A625913}" type="datetimeFigureOut">
               <a:rPr lang="en-US" smtClean="0"/>
-              <a:t>6/21/16</a:t>
+              <a:t>6/30/16</a:t>
             </a:fld>
             <a:endParaRPr lang="en-US"/>
           </a:p>
@@ -458,7 +458,7 @@
           <a:p>
             <a:fld id="{6EEA7111-AD52-9947-B6F0-32AC9A625913}" type="datetimeFigureOut">
               <a:rPr lang="en-US" smtClean="0"/>
-              <a:t>6/21/16</a:t>
+              <a:t>6/30/16</a:t>
             </a:fld>
             <a:endParaRPr lang="en-US"/>
           </a:p>
@@ -638,7 +638,7 @@
           <a:p>
             <a:fld id="{6EEA7111-AD52-9947-B6F0-32AC9A625913}" type="datetimeFigureOut">
               <a:rPr lang="en-US" smtClean="0"/>
-              <a:t>6/21/16</a:t>
+              <a:t>6/30/16</a:t>
             </a:fld>
             <a:endParaRPr lang="en-US"/>
           </a:p>
@@ -808,7 +808,7 @@
           <a:p>
             <a:fld id="{6EEA7111-AD52-9947-B6F0-32AC9A625913}" type="datetimeFigureOut">
               <a:rPr lang="en-US" smtClean="0"/>
-              <a:t>6/21/16</a:t>
+              <a:t>6/30/16</a:t>
             </a:fld>
             <a:endParaRPr lang="en-US"/>
           </a:p>
@@ -1054,7 +1054,7 @@
           <a:p>
             <a:fld id="{6EEA7111-AD52-9947-B6F0-32AC9A625913}" type="datetimeFigureOut">
               <a:rPr lang="en-US" smtClean="0"/>
-              <a:t>6/21/16</a:t>
+              <a:t>6/30/16</a:t>
             </a:fld>
             <a:endParaRPr lang="en-US"/>
           </a:p>
@@ -1342,7 +1342,7 @@
           <a:p>
             <a:fld id="{6EEA7111-AD52-9947-B6F0-32AC9A625913}" type="datetimeFigureOut">
               <a:rPr lang="en-US" smtClean="0"/>
-              <a:t>6/21/16</a:t>
+              <a:t>6/30/16</a:t>
             </a:fld>
             <a:endParaRPr lang="en-US"/>
           </a:p>
@@ -1764,7 +1764,7 @@
           <a:p>
             <a:fld id="{6EEA7111-AD52-9947-B6F0-32AC9A625913}" type="datetimeFigureOut">
               <a:rPr lang="en-US" smtClean="0"/>
-              <a:t>6/21/16</a:t>
+              <a:t>6/30/16</a:t>
             </a:fld>
             <a:endParaRPr lang="en-US"/>
           </a:p>
@@ -1882,7 +1882,7 @@
           <a:p>
             <a:fld id="{6EEA7111-AD52-9947-B6F0-32AC9A625913}" type="datetimeFigureOut">
               <a:rPr lang="en-US" smtClean="0"/>
-              <a:t>6/21/16</a:t>
+              <a:t>6/30/16</a:t>
             </a:fld>
             <a:endParaRPr lang="en-US"/>
           </a:p>
@@ -1977,7 +1977,7 @@
           <a:p>
             <a:fld id="{6EEA7111-AD52-9947-B6F0-32AC9A625913}" type="datetimeFigureOut">
               <a:rPr lang="en-US" smtClean="0"/>
-              <a:t>6/21/16</a:t>
+              <a:t>6/30/16</a:t>
             </a:fld>
             <a:endParaRPr lang="en-US"/>
           </a:p>
@@ -2254,7 +2254,7 @@
           <a:p>
             <a:fld id="{6EEA7111-AD52-9947-B6F0-32AC9A625913}" type="datetimeFigureOut">
               <a:rPr lang="en-US" smtClean="0"/>
-              <a:t>6/21/16</a:t>
+              <a:t>6/30/16</a:t>
             </a:fld>
             <a:endParaRPr lang="en-US"/>
           </a:p>
@@ -2507,7 +2507,7 @@
           <a:p>
             <a:fld id="{6EEA7111-AD52-9947-B6F0-32AC9A625913}" type="datetimeFigureOut">
               <a:rPr lang="en-US" smtClean="0"/>
-              <a:t>6/21/16</a:t>
+              <a:t>6/30/16</a:t>
             </a:fld>
             <a:endParaRPr lang="en-US"/>
           </a:p>
@@ -2720,7 +2720,7 @@
           <a:p>
             <a:fld id="{6EEA7111-AD52-9947-B6F0-32AC9A625913}" type="datetimeFigureOut">
               <a:rPr lang="en-US" smtClean="0"/>
-              <a:t>6/21/16</a:t>
+              <a:t>6/30/16</a:t>
             </a:fld>
             <a:endParaRPr lang="en-US"/>
           </a:p>
@@ -6391,47 +6391,6 @@
           </a:p>
         </p:txBody>
       </p:sp>
-      <p:cxnSp>
-        <p:nvCxnSpPr>
-          <p:cNvPr id="77" name="Straight Connector 76"/>
-          <p:cNvCxnSpPr>
-            <a:stCxn id="80" idx="1"/>
-          </p:cNvCxnSpPr>
-          <p:nvPr/>
-        </p:nvCxnSpPr>
-        <p:spPr>
-          <a:xfrm flipH="1">
-            <a:off x="6709062" y="2926071"/>
-            <a:ext cx="304904" cy="125482"/>
-          </a:xfrm>
-          <a:prstGeom prst="line">
-            <a:avLst/>
-          </a:prstGeom>
-          <a:ln>
-            <a:solidFill>
-              <a:schemeClr val="bg1">
-                <a:lumMod val="50000"/>
-              </a:schemeClr>
-            </a:solidFill>
-            <a:tailEnd type="triangle" w="lg"/>
-          </a:ln>
-          <a:effectLst/>
-        </p:spPr>
-        <p:style>
-          <a:lnRef idx="2">
-            <a:schemeClr val="accent1"/>
-          </a:lnRef>
-          <a:fillRef idx="0">
-            <a:schemeClr val="accent1"/>
-          </a:fillRef>
-          <a:effectRef idx="1">
-            <a:schemeClr val="accent1"/>
-          </a:effectRef>
-          <a:fontRef idx="minor">
-            <a:schemeClr val="tx1"/>
-          </a:fontRef>
-        </p:style>
-      </p:cxnSp>
       <p:sp>
         <p:nvSpPr>
           <p:cNvPr id="78" name="Rounded Rectangle 77"/>
@@ -7528,6 +7487,47 @@
           </a:p>
         </p:txBody>
       </p:sp>
+      <p:cxnSp>
+        <p:nvCxnSpPr>
+          <p:cNvPr id="77" name="Straight Connector 76"/>
+          <p:cNvCxnSpPr>
+            <a:stCxn id="80" idx="1"/>
+          </p:cNvCxnSpPr>
+          <p:nvPr/>
+        </p:nvCxnSpPr>
+        <p:spPr>
+          <a:xfrm flipH="1">
+            <a:off x="6709062" y="2926071"/>
+            <a:ext cx="304904" cy="125482"/>
+          </a:xfrm>
+          <a:prstGeom prst="line">
+            <a:avLst/>
+          </a:prstGeom>
+          <a:ln>
+            <a:solidFill>
+              <a:schemeClr val="bg1">
+                <a:lumMod val="50000"/>
+              </a:schemeClr>
+            </a:solidFill>
+            <a:tailEnd type="triangle" w="lg"/>
+          </a:ln>
+          <a:effectLst/>
+        </p:spPr>
+        <p:style>
+          <a:lnRef idx="2">
+            <a:schemeClr val="accent1"/>
+          </a:lnRef>
+          <a:fillRef idx="0">
+            <a:schemeClr val="accent1"/>
+          </a:fillRef>
+          <a:effectRef idx="1">
+            <a:schemeClr val="accent1"/>
+          </a:effectRef>
+          <a:fontRef idx="minor">
+            <a:schemeClr val="tx1"/>
+          </a:fontRef>
+        </p:style>
+      </p:cxnSp>
     </p:spTree>
     <p:extLst>
       <p:ext uri="{BB962C8B-B14F-4D97-AF65-F5344CB8AC3E}">
